--- a/files/Unidad_I_tesis.pptx
+++ b/files/Unidad_I_tesis.pptx
@@ -7214,17 +7214,16 @@
                 <a:latin typeface="Times New Roman" panose="02020603050405020304" pitchFamily="18" charset="0"/>
                 <a:cs typeface="Times New Roman" panose="02020603050405020304" pitchFamily="18" charset="0"/>
               </a:rPr>
-              <a:t>“GERMINACIÓN DE SEMILLAS DE HABA (</a:t>
-            </a:r>
-            <a:r>
-              <a:rPr lang="es-MX" sz="3200" b="1" i="1" dirty="0">
-                <a:solidFill>
-                  <a:schemeClr val="bg1"/>
-                </a:solidFill>
+              <a:t>“</a:t>
+            </a:r>
+            <a:r>
+              <a:rPr lang="es-ES" sz="3200" kern="0" dirty="0">
+                <a:effectLst/>
                 <a:latin typeface="Times New Roman" panose="02020603050405020304" pitchFamily="18" charset="0"/>
+                <a:ea typeface="Calibri" panose="020F0502020204030204" pitchFamily="34" charset="0"/>
                 <a:cs typeface="Times New Roman" panose="02020603050405020304" pitchFamily="18" charset="0"/>
               </a:rPr>
-              <a:t>Vicia Faba </a:t>
+              <a:t>DIVERSIDAD DE HONGOS MICORRÍCICOS ARBUSCULARES EN ESPECIES DE CUCURBITÁCEAS EN LA REGIÓN AMAZONAS</a:t>
             </a:r>
             <a:r>
               <a:rPr lang="es-MX" sz="3200" b="1" dirty="0">
@@ -7234,7 +7233,7 @@
                 <a:latin typeface="Times New Roman" panose="02020603050405020304" pitchFamily="18" charset="0"/>
                 <a:cs typeface="Times New Roman" panose="02020603050405020304" pitchFamily="18" charset="0"/>
               </a:rPr>
-              <a:t>L.) BAJO EFECTO DE PRESENCIA Y AUSENCIA DE LUZ”</a:t>
+              <a:t>”</a:t>
             </a:r>
             <a:endParaRPr lang="es-PE" sz="3200" b="1" dirty="0">
               <a:solidFill>
